--- a/src/test/resources/for.pptx
+++ b/src/test/resources/for.pptx
@@ -5,18 +5,17 @@
     <p:sldMasterId id="2147483648" r:id="rId1"/>
   </p:sldMasterIdLst>
   <p:notesMasterIdLst>
-    <p:notesMasterId r:id="rId5"/>
+    <p:notesMasterId r:id="rId4"/>
   </p:notesMasterIdLst>
   <p:sldIdLst>
-    <p:sldId id="256" r:id="rId3"/>
-    <p:sldId id="258" r:id="rId4"/>
-    <p:sldId id="261" r:id="rId6"/>
-    <p:sldId id="262" r:id="rId7"/>
+    <p:sldId id="258" r:id="rId3"/>
+    <p:sldId id="259" r:id="rId5"/>
+    <p:sldId id="260" r:id="rId6"/>
   </p:sldIdLst>
   <p:sldSz cx="12192000" cy="6858000"/>
   <p:notesSz cx="6858000" cy="9144000"/>
   <p:custDataLst>
-    <p:tags r:id="rId11"/>
+    <p:tags r:id="rId10"/>
   </p:custDataLst>
   <p:defaultTextStyle>
     <a:defPPr>
@@ -116,6 +115,999 @@
 </p:presentation>
 </file>
 
+<file path=ppt/charts/chart1.xml><?xml version="1.0" encoding="utf-8"?>
+<c:chartSpace xmlns:c="http://schemas.openxmlformats.org/drawingml/2006/chart" xmlns:a="http://schemas.openxmlformats.org/drawingml/2006/main" xmlns:r="http://schemas.openxmlformats.org/officeDocument/2006/relationships">
+  <c:date1904 val="0"/>
+  <c:lang val="zh-CN"/>
+  <c:roundedCorners val="0"/>
+  <mc:AlternateContent xmlns:mc="http://schemas.openxmlformats.org/markup-compatibility/2006">
+    <mc:Choice xmlns:c14="http://schemas.microsoft.com/office/drawing/2007/8/2/chart" Requires="c14">
+      <c14:style val="102"/>
+    </mc:Choice>
+    <mc:Fallback>
+      <c:style val="2"/>
+    </mc:Fallback>
+  </mc:AlternateContent>
+  <c:chart>
+    <c:title>
+      <c:layout/>
+      <c:overlay val="0"/>
+      <c:spPr>
+        <a:noFill/>
+        <a:ln>
+          <a:noFill/>
+        </a:ln>
+        <a:effectLst/>
+      </c:spPr>
+      <c:txPr>
+        <a:bodyPr rot="0" spcFirstLastPara="0" vertOverflow="ellipsis" vert="horz" wrap="square" anchor="ctr" anchorCtr="1"/>
+        <a:lstStyle/>
+        <a:p>
+          <a:pPr>
+            <a:defRPr lang="zh-CN" sz="1400" b="0" i="0" u="none" strike="noStrike" kern="1200" spc="0" baseline="0">
+              <a:solidFill>
+                <a:schemeClr val="tx1">
+                  <a:lumMod val="65000"/>
+                  <a:lumOff val="35000"/>
+                </a:schemeClr>
+              </a:solidFill>
+              <a:latin typeface="+mn-lt"/>
+              <a:ea typeface="+mn-ea"/>
+              <a:cs typeface="+mn-cs"/>
+            </a:defRPr>
+          </a:pPr>
+        </a:p>
+      </c:txPr>
+    </c:title>
+    <c:autoTitleDeleted val="0"/>
+    <c:plotArea>
+      <c:layout>
+        <c:manualLayout>
+          <c:layoutTarget val="inner"/>
+          <c:xMode val="edge"/>
+          <c:yMode val="edge"/>
+          <c:x val="0.02956"/>
+          <c:y val="0.146266666666667"/>
+          <c:w val="0.94144"/>
+          <c:h val="0.76672"/>
+        </c:manualLayout>
+      </c:layout>
+      <c:barChart>
+        <c:barDir val="col"/>
+        <c:grouping val="clustered"/>
+        <c:varyColors val="0"/>
+        <c:ser>
+          <c:idx val="0"/>
+          <c:order val="0"/>
+          <c:tx>
+            <c:strRef>
+              <c:f>Sheet1!$B$1</c:f>
+              <c:strCache>
+                <c:ptCount val="1"/>
+                <c:pt idx="0">
+                  <c:v>系列 1</c:v>
+                </c:pt>
+              </c:strCache>
+            </c:strRef>
+          </c:tx>
+          <c:spPr>
+            <a:solidFill>
+              <a:schemeClr val="accent1"/>
+            </a:solidFill>
+            <a:ln>
+              <a:noFill/>
+            </a:ln>
+            <a:effectLst/>
+          </c:spPr>
+          <c:invertIfNegative val="0"/>
+          <c:dLbls>
+            <c:delete val="1"/>
+          </c:dLbls>
+          <c:cat>
+            <c:strRef>
+              <c:f>Sheet1!$A$2:$A$5</c:f>
+              <c:strCache>
+                <c:ptCount val="4"/>
+                <c:pt idx="0">
+                  <c:v>类别1</c:v>
+                </c:pt>
+                <c:pt idx="1">
+                  <c:v>类别2</c:v>
+                </c:pt>
+                <c:pt idx="2">
+                  <c:v>类别3</c:v>
+                </c:pt>
+                <c:pt idx="3">
+                  <c:v>类别4</c:v>
+                </c:pt>
+              </c:strCache>
+            </c:strRef>
+          </c:cat>
+          <c:val>
+            <c:numRef>
+              <c:f>Sheet1!$B$2:$B$5</c:f>
+              <c:numCache>
+                <c:formatCode>General</c:formatCode>
+                <c:ptCount val="4"/>
+                <c:pt idx="0">
+                  <c:v>4.3</c:v>
+                </c:pt>
+                <c:pt idx="1">
+                  <c:v>2.5</c:v>
+                </c:pt>
+                <c:pt idx="2">
+                  <c:v>3.5</c:v>
+                </c:pt>
+                <c:pt idx="3">
+                  <c:v>4.5</c:v>
+                </c:pt>
+              </c:numCache>
+            </c:numRef>
+          </c:val>
+        </c:ser>
+        <c:ser>
+          <c:idx val="1"/>
+          <c:order val="1"/>
+          <c:tx>
+            <c:strRef>
+              <c:f>Sheet1!$C$1</c:f>
+              <c:strCache>
+                <c:ptCount val="1"/>
+                <c:pt idx="0">
+                  <c:v>系列 2</c:v>
+                </c:pt>
+              </c:strCache>
+            </c:strRef>
+          </c:tx>
+          <c:spPr>
+            <a:solidFill>
+              <a:schemeClr val="accent2"/>
+            </a:solidFill>
+            <a:ln>
+              <a:noFill/>
+            </a:ln>
+            <a:effectLst/>
+          </c:spPr>
+          <c:invertIfNegative val="0"/>
+          <c:dLbls>
+            <c:delete val="1"/>
+          </c:dLbls>
+          <c:cat>
+            <c:strRef>
+              <c:f>Sheet1!$A$2:$A$5</c:f>
+              <c:strCache>
+                <c:ptCount val="4"/>
+                <c:pt idx="0">
+                  <c:v>类别1</c:v>
+                </c:pt>
+                <c:pt idx="1">
+                  <c:v>类别2</c:v>
+                </c:pt>
+                <c:pt idx="2">
+                  <c:v>类别3</c:v>
+                </c:pt>
+                <c:pt idx="3">
+                  <c:v>类别4</c:v>
+                </c:pt>
+              </c:strCache>
+            </c:strRef>
+          </c:cat>
+          <c:val>
+            <c:numRef>
+              <c:f>Sheet1!$C$2:$C$5</c:f>
+              <c:numCache>
+                <c:formatCode>General</c:formatCode>
+                <c:ptCount val="4"/>
+                <c:pt idx="0">
+                  <c:v>2.4</c:v>
+                </c:pt>
+                <c:pt idx="1">
+                  <c:v>4.4</c:v>
+                </c:pt>
+                <c:pt idx="2">
+                  <c:v>1.8</c:v>
+                </c:pt>
+                <c:pt idx="3">
+                  <c:v>2.8</c:v>
+                </c:pt>
+              </c:numCache>
+            </c:numRef>
+          </c:val>
+        </c:ser>
+        <c:ser>
+          <c:idx val="2"/>
+          <c:order val="2"/>
+          <c:tx>
+            <c:strRef>
+              <c:f>Sheet1!$D$1</c:f>
+              <c:strCache>
+                <c:ptCount val="1"/>
+                <c:pt idx="0">
+                  <c:v>系列 3</c:v>
+                </c:pt>
+              </c:strCache>
+            </c:strRef>
+          </c:tx>
+          <c:spPr>
+            <a:solidFill>
+              <a:schemeClr val="accent3"/>
+            </a:solidFill>
+            <a:ln>
+              <a:noFill/>
+            </a:ln>
+            <a:effectLst/>
+          </c:spPr>
+          <c:invertIfNegative val="0"/>
+          <c:dLbls>
+            <c:delete val="1"/>
+          </c:dLbls>
+          <c:cat>
+            <c:strRef>
+              <c:f>Sheet1!$A$2:$A$5</c:f>
+              <c:strCache>
+                <c:ptCount val="4"/>
+                <c:pt idx="0">
+                  <c:v>类别1</c:v>
+                </c:pt>
+                <c:pt idx="1">
+                  <c:v>类别2</c:v>
+                </c:pt>
+                <c:pt idx="2">
+                  <c:v>类别3</c:v>
+                </c:pt>
+                <c:pt idx="3">
+                  <c:v>类别4</c:v>
+                </c:pt>
+              </c:strCache>
+            </c:strRef>
+          </c:cat>
+          <c:val>
+            <c:numRef>
+              <c:f>Sheet1!$D$2:$D$5</c:f>
+              <c:numCache>
+                <c:formatCode>General</c:formatCode>
+                <c:ptCount val="4"/>
+                <c:pt idx="0">
+                  <c:v>2</c:v>
+                </c:pt>
+                <c:pt idx="1">
+                  <c:v>2</c:v>
+                </c:pt>
+                <c:pt idx="2">
+                  <c:v>3</c:v>
+                </c:pt>
+                <c:pt idx="3">
+                  <c:v>5</c:v>
+                </c:pt>
+              </c:numCache>
+            </c:numRef>
+          </c:val>
+        </c:ser>
+        <c:dLbls>
+          <c:showLegendKey val="0"/>
+          <c:showVal val="0"/>
+          <c:showCatName val="0"/>
+          <c:showSerName val="0"/>
+          <c:showPercent val="0"/>
+          <c:showBubbleSize val="0"/>
+        </c:dLbls>
+        <c:gapWidth val="219"/>
+        <c:overlap val="-27"/>
+        <c:axId val="413658229"/>
+        <c:axId val="645879090"/>
+      </c:barChart>
+      <c:catAx>
+        <c:axId val="413658229"/>
+        <c:scaling>
+          <c:orientation val="minMax"/>
+        </c:scaling>
+        <c:delete val="0"/>
+        <c:axPos val="b"/>
+        <c:majorTickMark val="none"/>
+        <c:minorTickMark val="none"/>
+        <c:tickLblPos val="nextTo"/>
+        <c:spPr>
+          <a:noFill/>
+          <a:ln w="9525" cap="flat" cmpd="sng" algn="ctr">
+            <a:solidFill>
+              <a:schemeClr val="tx1">
+                <a:lumMod val="15000"/>
+                <a:lumOff val="85000"/>
+              </a:schemeClr>
+            </a:solidFill>
+            <a:round/>
+          </a:ln>
+          <a:effectLst/>
+        </c:spPr>
+        <c:txPr>
+          <a:bodyPr rot="-60000000" spcFirstLastPara="0" vertOverflow="ellipsis" vert="horz" wrap="square" anchor="ctr" anchorCtr="1"/>
+          <a:lstStyle/>
+          <a:p>
+            <a:pPr>
+              <a:defRPr lang="zh-CN" sz="900" b="0" i="0" u="none" strike="noStrike" kern="1200" baseline="0">
+                <a:solidFill>
+                  <a:schemeClr val="tx1">
+                    <a:lumMod val="65000"/>
+                    <a:lumOff val="35000"/>
+                  </a:schemeClr>
+                </a:solidFill>
+                <a:latin typeface="+mn-lt"/>
+                <a:ea typeface="+mn-ea"/>
+                <a:cs typeface="+mn-cs"/>
+              </a:defRPr>
+            </a:pPr>
+          </a:p>
+        </c:txPr>
+        <c:crossAx val="645879090"/>
+        <c:crosses val="autoZero"/>
+        <c:auto val="1"/>
+        <c:lblAlgn val="ctr"/>
+        <c:lblOffset val="100"/>
+        <c:noMultiLvlLbl val="0"/>
+      </c:catAx>
+      <c:valAx>
+        <c:axId val="645879090"/>
+        <c:scaling>
+          <c:orientation val="minMax"/>
+        </c:scaling>
+        <c:delete val="0"/>
+        <c:axPos val="l"/>
+        <c:majorGridlines>
+          <c:spPr>
+            <a:ln w="9525" cap="flat" cmpd="sng" algn="ctr">
+              <a:solidFill>
+                <a:schemeClr val="tx1">
+                  <a:lumMod val="15000"/>
+                  <a:lumOff val="85000"/>
+                </a:schemeClr>
+              </a:solidFill>
+              <a:round/>
+            </a:ln>
+            <a:effectLst/>
+          </c:spPr>
+        </c:majorGridlines>
+        <c:numFmt formatCode="General" sourceLinked="1"/>
+        <c:majorTickMark val="none"/>
+        <c:minorTickMark val="none"/>
+        <c:tickLblPos val="nextTo"/>
+        <c:spPr>
+          <a:noFill/>
+          <a:ln>
+            <a:noFill/>
+          </a:ln>
+          <a:effectLst/>
+        </c:spPr>
+        <c:txPr>
+          <a:bodyPr rot="-60000000" spcFirstLastPara="0" vertOverflow="ellipsis" vert="horz" wrap="square" anchor="ctr" anchorCtr="1"/>
+          <a:lstStyle/>
+          <a:p>
+            <a:pPr>
+              <a:defRPr lang="zh-CN" sz="900" b="0" i="0" u="none" strike="noStrike" kern="1200" baseline="0">
+                <a:solidFill>
+                  <a:schemeClr val="tx1">
+                    <a:lumMod val="65000"/>
+                    <a:lumOff val="35000"/>
+                  </a:schemeClr>
+                </a:solidFill>
+                <a:latin typeface="+mn-lt"/>
+                <a:ea typeface="+mn-ea"/>
+                <a:cs typeface="+mn-cs"/>
+              </a:defRPr>
+            </a:pPr>
+          </a:p>
+        </c:txPr>
+        <c:crossAx val="413658229"/>
+        <c:crosses val="autoZero"/>
+        <c:crossBetween val="between"/>
+      </c:valAx>
+      <c:spPr>
+        <a:noFill/>
+        <a:ln>
+          <a:noFill/>
+        </a:ln>
+        <a:effectLst/>
+      </c:spPr>
+    </c:plotArea>
+    <c:legend>
+      <c:legendPos val="b"/>
+      <c:layout/>
+      <c:overlay val="0"/>
+      <c:spPr>
+        <a:noFill/>
+        <a:ln>
+          <a:noFill/>
+        </a:ln>
+        <a:effectLst/>
+      </c:spPr>
+      <c:txPr>
+        <a:bodyPr rot="0" spcFirstLastPara="0" vertOverflow="ellipsis" vert="horz" wrap="square" anchor="ctr" anchorCtr="1"/>
+        <a:lstStyle/>
+        <a:p>
+          <a:pPr>
+            <a:defRPr lang="zh-CN" sz="900" b="0" i="0" u="none" strike="noStrike" kern="1200" baseline="0">
+              <a:solidFill>
+                <a:schemeClr val="tx1">
+                  <a:lumMod val="65000"/>
+                  <a:lumOff val="35000"/>
+                </a:schemeClr>
+              </a:solidFill>
+              <a:latin typeface="+mn-lt"/>
+              <a:ea typeface="+mn-ea"/>
+              <a:cs typeface="+mn-cs"/>
+            </a:defRPr>
+          </a:pPr>
+        </a:p>
+      </c:txPr>
+    </c:legend>
+    <c:plotVisOnly val="1"/>
+    <c:dispBlanksAs val="gap"/>
+    <c:showDLblsOverMax val="0"/>
+  </c:chart>
+  <c:spPr>
+    <a:noFill/>
+    <a:ln>
+      <a:noFill/>
+    </a:ln>
+    <a:effectLst/>
+  </c:spPr>
+  <c:txPr>
+    <a:bodyPr/>
+    <a:lstStyle/>
+    <a:p>
+      <a:pPr>
+        <a:defRPr lang="zh-CN"/>
+      </a:pPr>
+    </a:p>
+  </c:txPr>
+  <c:externalData r:id="rId1">
+    <c:autoUpdate val="0"/>
+  </c:externalData>
+</c:chartSpace>
+</file>
+
+<file path=ppt/charts/colors1.xml><?xml version="1.0" encoding="utf-8"?>
+<cs:colorStyle xmlns:cs="http://schemas.microsoft.com/office/drawing/2012/chartStyle" xmlns:a="http://schemas.openxmlformats.org/drawingml/2006/main" meth="cycle" id="10">
+  <a:schemeClr val="accent1"/>
+  <a:schemeClr val="accent2"/>
+  <a:schemeClr val="accent3"/>
+  <a:schemeClr val="accent4"/>
+  <a:schemeClr val="accent5"/>
+  <a:schemeClr val="accent6"/>
+  <cs:variation/>
+  <cs:variation>
+    <a:lumMod val="60000"/>
+  </cs:variation>
+  <cs:variation>
+    <a:lumMod val="80000"/>
+    <a:lumOff val="20000"/>
+  </cs:variation>
+  <cs:variation>
+    <a:lumMod val="80000"/>
+  </cs:variation>
+  <cs:variation>
+    <a:lumMod val="60000"/>
+    <a:lumOff val="40000"/>
+  </cs:variation>
+  <cs:variation>
+    <a:lumMod val="50000"/>
+  </cs:variation>
+  <cs:variation>
+    <a:lumMod val="70000"/>
+    <a:lumOff val="30000"/>
+  </cs:variation>
+  <cs:variation>
+    <a:lumMod val="70000"/>
+  </cs:variation>
+  <cs:variation>
+    <a:lumMod val="50000"/>
+    <a:lumOff val="50000"/>
+  </cs:variation>
+</cs:colorStyle>
+</file>
+
+<file path=ppt/charts/style1.xml><?xml version="1.0" encoding="utf-8"?>
+<cs:chartStyle xmlns:cs="http://schemas.microsoft.com/office/drawing/2012/chartStyle" xmlns:a="http://schemas.openxmlformats.org/drawingml/2006/main" id="201">
+  <cs:axisTitle>
+    <cs:lnRef idx="0"/>
+    <cs:fillRef idx="0"/>
+    <cs:effectRef idx="0"/>
+    <cs:fontRef idx="minor">
+      <a:schemeClr val="tx1">
+        <a:lumMod val="65000"/>
+        <a:lumOff val="35000"/>
+      </a:schemeClr>
+    </cs:fontRef>
+    <cs:defRPr sz="1000" kern="1200"/>
+  </cs:axisTitle>
+  <cs:categoryAxis>
+    <cs:lnRef idx="0"/>
+    <cs:fillRef idx="0"/>
+    <cs:effectRef idx="0"/>
+    <cs:fontRef idx="minor">
+      <a:schemeClr val="tx1">
+        <a:lumMod val="65000"/>
+        <a:lumOff val="35000"/>
+      </a:schemeClr>
+    </cs:fontRef>
+    <cs:spPr>
+      <a:ln w="9525" cap="flat" cmpd="sng" algn="ctr">
+        <a:solidFill>
+          <a:schemeClr val="tx1">
+            <a:lumMod val="15000"/>
+            <a:lumOff val="85000"/>
+          </a:schemeClr>
+        </a:solidFill>
+        <a:round/>
+      </a:ln>
+    </cs:spPr>
+    <cs:defRPr sz="900" kern="1200"/>
+  </cs:categoryAxis>
+  <cs:chartArea mods="allowNoFillOverride allowNoLineOverride">
+    <cs:lnRef idx="0"/>
+    <cs:fillRef idx="0"/>
+    <cs:effectRef idx="0"/>
+    <cs:fontRef idx="minor">
+      <a:schemeClr val="tx1"/>
+    </cs:fontRef>
+    <cs:spPr>
+      <a:solidFill>
+        <a:schemeClr val="bg1"/>
+      </a:solidFill>
+      <a:ln w="9525" cap="flat" cmpd="sng" algn="ctr">
+        <a:solidFill>
+          <a:schemeClr val="tx1">
+            <a:lumMod val="15000"/>
+            <a:lumOff val="85000"/>
+          </a:schemeClr>
+        </a:solidFill>
+        <a:round/>
+      </a:ln>
+    </cs:spPr>
+    <cs:defRPr sz="1000" kern="1200"/>
+  </cs:chartArea>
+  <cs:dataLabel>
+    <cs:lnRef idx="0"/>
+    <cs:fillRef idx="0"/>
+    <cs:effectRef idx="0"/>
+    <cs:fontRef idx="minor">
+      <a:schemeClr val="tx1">
+        <a:lumMod val="75000"/>
+        <a:lumOff val="25000"/>
+      </a:schemeClr>
+    </cs:fontRef>
+    <cs:defRPr sz="900" kern="1200"/>
+  </cs:dataLabel>
+  <cs:dataLabelCallout>
+    <cs:lnRef idx="0"/>
+    <cs:fillRef idx="0"/>
+    <cs:effectRef idx="0"/>
+    <cs:fontRef idx="minor">
+      <a:schemeClr val="dk1">
+        <a:lumMod val="65000"/>
+        <a:lumOff val="35000"/>
+      </a:schemeClr>
+    </cs:fontRef>
+    <cs:spPr>
+      <a:solidFill>
+        <a:schemeClr val="lt1"/>
+      </a:solidFill>
+      <a:ln>
+        <a:solidFill>
+          <a:schemeClr val="dk1">
+            <a:lumMod val="25000"/>
+            <a:lumOff val="75000"/>
+          </a:schemeClr>
+        </a:solidFill>
+      </a:ln>
+    </cs:spPr>
+    <cs:defRPr sz="900" kern="1200"/>
+    <cs:bodyPr rot="0" spcFirstLastPara="1" vertOverflow="clip" horzOverflow="clip" vert="horz" wrap="square" lIns="36576" tIns="18288" rIns="36576" bIns="18288" anchor="ctr" anchorCtr="1">
+      <a:spAutoFit/>
+    </cs:bodyPr>
+  </cs:dataLabelCallout>
+  <cs:dataPoint>
+    <cs:lnRef idx="0"/>
+    <cs:fillRef idx="1">
+      <cs:styleClr val="auto"/>
+    </cs:fillRef>
+    <cs:effectRef idx="0"/>
+    <cs:fontRef idx="minor">
+      <a:schemeClr val="tx1"/>
+    </cs:fontRef>
+  </cs:dataPoint>
+  <cs:dataPoint3D>
+    <cs:lnRef idx="0"/>
+    <cs:fillRef idx="1">
+      <cs:styleClr val="auto"/>
+    </cs:fillRef>
+    <cs:effectRef idx="0"/>
+    <cs:fontRef idx="minor">
+      <a:schemeClr val="tx1"/>
+    </cs:fontRef>
+  </cs:dataPoint3D>
+  <cs:dataPointLine>
+    <cs:lnRef idx="0">
+      <cs:styleClr val="auto"/>
+    </cs:lnRef>
+    <cs:fillRef idx="1"/>
+    <cs:effectRef idx="0"/>
+    <cs:fontRef idx="minor">
+      <a:schemeClr val="tx1"/>
+    </cs:fontRef>
+    <cs:spPr>
+      <a:ln w="28575" cap="rnd">
+        <a:solidFill>
+          <a:schemeClr val="phClr"/>
+        </a:solidFill>
+        <a:round/>
+      </a:ln>
+    </cs:spPr>
+  </cs:dataPointLine>
+  <cs:dataPointMarker>
+    <cs:lnRef idx="0">
+      <cs:styleClr val="auto"/>
+    </cs:lnRef>
+    <cs:fillRef idx="1">
+      <cs:styleClr val="auto"/>
+    </cs:fillRef>
+    <cs:effectRef idx="0"/>
+    <cs:fontRef idx="minor">
+      <a:schemeClr val="tx1"/>
+    </cs:fontRef>
+    <cs:spPr>
+      <a:ln w="9525">
+        <a:solidFill>
+          <a:schemeClr val="phClr"/>
+        </a:solidFill>
+      </a:ln>
+    </cs:spPr>
+  </cs:dataPointMarker>
+  <cs:dataPointMarkerLayout symbol="circle" size="5"/>
+  <cs:dataPointWireframe>
+    <cs:lnRef idx="0">
+      <cs:styleClr val="auto"/>
+    </cs:lnRef>
+    <cs:fillRef idx="1"/>
+    <cs:effectRef idx="0"/>
+    <cs:fontRef idx="minor">
+      <a:schemeClr val="tx1"/>
+    </cs:fontRef>
+    <cs:spPr>
+      <a:ln w="9525" cap="rnd">
+        <a:solidFill>
+          <a:schemeClr val="phClr"/>
+        </a:solidFill>
+        <a:round/>
+      </a:ln>
+    </cs:spPr>
+  </cs:dataPointWireframe>
+  <cs:dataTable>
+    <cs:lnRef idx="0"/>
+    <cs:fillRef idx="0"/>
+    <cs:effectRef idx="0"/>
+    <cs:fontRef idx="minor">
+      <a:schemeClr val="tx1">
+        <a:lumMod val="65000"/>
+        <a:lumOff val="35000"/>
+      </a:schemeClr>
+    </cs:fontRef>
+    <cs:spPr>
+      <a:noFill/>
+      <a:ln w="9525" cap="flat" cmpd="sng" algn="ctr">
+        <a:solidFill>
+          <a:schemeClr val="tx1">
+            <a:lumMod val="15000"/>
+            <a:lumOff val="85000"/>
+          </a:schemeClr>
+        </a:solidFill>
+        <a:round/>
+      </a:ln>
+    </cs:spPr>
+    <cs:defRPr sz="900" kern="1200"/>
+  </cs:dataTable>
+  <cs:downBar>
+    <cs:lnRef idx="0"/>
+    <cs:fillRef idx="0"/>
+    <cs:effectRef idx="0"/>
+    <cs:fontRef idx="minor">
+      <a:schemeClr val="dk1"/>
+    </cs:fontRef>
+    <cs:spPr>
+      <a:solidFill>
+        <a:schemeClr val="dk1">
+          <a:lumMod val="65000"/>
+          <a:lumOff val="35000"/>
+        </a:schemeClr>
+      </a:solidFill>
+      <a:ln w="9525">
+        <a:solidFill>
+          <a:schemeClr val="tx1">
+            <a:lumMod val="65000"/>
+            <a:lumOff val="35000"/>
+          </a:schemeClr>
+        </a:solidFill>
+      </a:ln>
+    </cs:spPr>
+  </cs:downBar>
+  <cs:dropLine>
+    <cs:lnRef idx="0"/>
+    <cs:fillRef idx="0"/>
+    <cs:effectRef idx="0"/>
+    <cs:fontRef idx="minor">
+      <a:schemeClr val="tx1"/>
+    </cs:fontRef>
+    <cs:spPr>
+      <a:ln w="9525" cap="flat" cmpd="sng" algn="ctr">
+        <a:solidFill>
+          <a:schemeClr val="tx1">
+            <a:lumMod val="35000"/>
+            <a:lumOff val="65000"/>
+          </a:schemeClr>
+        </a:solidFill>
+        <a:round/>
+      </a:ln>
+    </cs:spPr>
+  </cs:dropLine>
+  <cs:errorBar>
+    <cs:lnRef idx="0"/>
+    <cs:fillRef idx="0"/>
+    <cs:effectRef idx="0"/>
+    <cs:fontRef idx="minor">
+      <a:schemeClr val="tx1"/>
+    </cs:fontRef>
+    <cs:spPr>
+      <a:ln w="9525" cap="flat" cmpd="sng" algn="ctr">
+        <a:solidFill>
+          <a:schemeClr val="tx1">
+            <a:lumMod val="65000"/>
+            <a:lumOff val="35000"/>
+          </a:schemeClr>
+        </a:solidFill>
+        <a:round/>
+      </a:ln>
+    </cs:spPr>
+  </cs:errorBar>
+  <cs:floor>
+    <cs:lnRef idx="0"/>
+    <cs:fillRef idx="0"/>
+    <cs:effectRef idx="0"/>
+    <cs:fontRef idx="minor">
+      <a:schemeClr val="tx1"/>
+    </cs:fontRef>
+    <cs:spPr>
+      <a:noFill/>
+      <a:ln>
+        <a:noFill/>
+      </a:ln>
+    </cs:spPr>
+  </cs:floor>
+  <cs:gridlineMajor>
+    <cs:lnRef idx="0"/>
+    <cs:fillRef idx="0"/>
+    <cs:effectRef idx="0"/>
+    <cs:fontRef idx="minor">
+      <a:schemeClr val="tx1"/>
+    </cs:fontRef>
+    <cs:spPr>
+      <a:ln w="9525" cap="flat" cmpd="sng" algn="ctr">
+        <a:solidFill>
+          <a:schemeClr val="tx1">
+            <a:lumMod val="15000"/>
+            <a:lumOff val="85000"/>
+          </a:schemeClr>
+        </a:solidFill>
+        <a:round/>
+      </a:ln>
+    </cs:spPr>
+  </cs:gridlineMajor>
+  <cs:gridlineMinor>
+    <cs:lnRef idx="0"/>
+    <cs:fillRef idx="0"/>
+    <cs:effectRef idx="0"/>
+    <cs:fontRef idx="minor">
+      <a:schemeClr val="tx1"/>
+    </cs:fontRef>
+    <cs:spPr>
+      <a:ln w="9525" cap="flat" cmpd="sng" algn="ctr">
+        <a:solidFill>
+          <a:schemeClr val="tx1">
+            <a:lumMod val="5000"/>
+            <a:lumOff val="95000"/>
+          </a:schemeClr>
+        </a:solidFill>
+        <a:round/>
+      </a:ln>
+    </cs:spPr>
+  </cs:gridlineMinor>
+  <cs:hiLoLine>
+    <cs:lnRef idx="0"/>
+    <cs:fillRef idx="0"/>
+    <cs:effectRef idx="0"/>
+    <cs:fontRef idx="minor">
+      <a:schemeClr val="tx1"/>
+    </cs:fontRef>
+    <cs:spPr>
+      <a:ln w="9525" cap="flat" cmpd="sng" algn="ctr">
+        <a:solidFill>
+          <a:schemeClr val="tx1">
+            <a:lumMod val="75000"/>
+            <a:lumOff val="25000"/>
+          </a:schemeClr>
+        </a:solidFill>
+        <a:round/>
+      </a:ln>
+    </cs:spPr>
+  </cs:hiLoLine>
+  <cs:leaderLine>
+    <cs:lnRef idx="0"/>
+    <cs:fillRef idx="0"/>
+    <cs:effectRef idx="0"/>
+    <cs:fontRef idx="minor">
+      <a:schemeClr val="tx1"/>
+    </cs:fontRef>
+    <cs:spPr>
+      <a:ln w="9525" cap="flat" cmpd="sng" algn="ctr">
+        <a:solidFill>
+          <a:schemeClr val="tx1">
+            <a:lumMod val="35000"/>
+            <a:lumOff val="65000"/>
+          </a:schemeClr>
+        </a:solidFill>
+        <a:round/>
+      </a:ln>
+    </cs:spPr>
+  </cs:leaderLine>
+  <cs:legend>
+    <cs:lnRef idx="0"/>
+    <cs:fillRef idx="0"/>
+    <cs:effectRef idx="0"/>
+    <cs:fontRef idx="minor">
+      <a:schemeClr val="tx1">
+        <a:lumMod val="65000"/>
+        <a:lumOff val="35000"/>
+      </a:schemeClr>
+    </cs:fontRef>
+    <cs:defRPr sz="900" kern="1200"/>
+  </cs:legend>
+  <cs:plotArea mods="allowNoFillOverride allowNoLineOverride">
+    <cs:lnRef idx="0"/>
+    <cs:fillRef idx="0"/>
+    <cs:effectRef idx="0"/>
+    <cs:fontRef idx="minor">
+      <a:schemeClr val="tx1"/>
+    </cs:fontRef>
+  </cs:plotArea>
+  <cs:plotArea3D mods="allowNoFillOverride allowNoLineOverride">
+    <cs:lnRef idx="0"/>
+    <cs:fillRef idx="0"/>
+    <cs:effectRef idx="0"/>
+    <cs:fontRef idx="minor">
+      <a:schemeClr val="tx1"/>
+    </cs:fontRef>
+  </cs:plotArea3D>
+  <cs:seriesAxis>
+    <cs:lnRef idx="0"/>
+    <cs:fillRef idx="0"/>
+    <cs:effectRef idx="0"/>
+    <cs:fontRef idx="minor">
+      <a:schemeClr val="tx1">
+        <a:lumMod val="65000"/>
+        <a:lumOff val="35000"/>
+      </a:schemeClr>
+    </cs:fontRef>
+    <cs:defRPr sz="900" kern="1200"/>
+  </cs:seriesAxis>
+  <cs:seriesLine>
+    <cs:lnRef idx="0"/>
+    <cs:fillRef idx="0"/>
+    <cs:effectRef idx="0"/>
+    <cs:fontRef idx="minor">
+      <a:schemeClr val="tx1"/>
+    </cs:fontRef>
+    <cs:spPr>
+      <a:ln w="9525" cap="flat" cmpd="sng" algn="ctr">
+        <a:solidFill>
+          <a:schemeClr val="tx1">
+            <a:lumMod val="35000"/>
+            <a:lumOff val="65000"/>
+          </a:schemeClr>
+        </a:solidFill>
+        <a:round/>
+      </a:ln>
+    </cs:spPr>
+  </cs:seriesLine>
+  <cs:title>
+    <cs:lnRef idx="0"/>
+    <cs:fillRef idx="0"/>
+    <cs:effectRef idx="0"/>
+    <cs:fontRef idx="minor">
+      <a:schemeClr val="tx1">
+        <a:lumMod val="65000"/>
+        <a:lumOff val="35000"/>
+      </a:schemeClr>
+    </cs:fontRef>
+    <cs:defRPr sz="1400" b="0" kern="1200" spc="0" baseline="0"/>
+  </cs:title>
+  <cs:trendline>
+    <cs:lnRef idx="0">
+      <cs:styleClr val="auto"/>
+    </cs:lnRef>
+    <cs:fillRef idx="0"/>
+    <cs:effectRef idx="0"/>
+    <cs:fontRef idx="minor">
+      <a:schemeClr val="tx1"/>
+    </cs:fontRef>
+    <cs:spPr>
+      <a:ln w="19050" cap="rnd">
+        <a:solidFill>
+          <a:schemeClr val="phClr"/>
+        </a:solidFill>
+        <a:prstDash val="sysDot"/>
+      </a:ln>
+    </cs:spPr>
+  </cs:trendline>
+  <cs:trendlineLabel>
+    <cs:lnRef idx="0"/>
+    <cs:fillRef idx="0"/>
+    <cs:effectRef idx="0"/>
+    <cs:fontRef idx="minor">
+      <a:schemeClr val="tx1">
+        <a:lumMod val="65000"/>
+        <a:lumOff val="35000"/>
+      </a:schemeClr>
+    </cs:fontRef>
+    <cs:defRPr sz="900" kern="1200"/>
+  </cs:trendlineLabel>
+  <cs:upBar>
+    <cs:lnRef idx="0"/>
+    <cs:fillRef idx="0"/>
+    <cs:effectRef idx="0"/>
+    <cs:fontRef idx="minor">
+      <a:schemeClr val="dk1"/>
+    </cs:fontRef>
+    <cs:spPr>
+      <a:solidFill>
+        <a:schemeClr val="lt1"/>
+      </a:solidFill>
+      <a:ln w="9525">
+        <a:solidFill>
+          <a:schemeClr val="tx1">
+            <a:lumMod val="15000"/>
+            <a:lumOff val="85000"/>
+          </a:schemeClr>
+        </a:solidFill>
+      </a:ln>
+    </cs:spPr>
+  </cs:upBar>
+  <cs:valueAxis>
+    <cs:lnRef idx="0"/>
+    <cs:fillRef idx="0"/>
+    <cs:effectRef idx="0"/>
+    <cs:fontRef idx="minor">
+      <a:schemeClr val="tx1">
+        <a:lumMod val="65000"/>
+        <a:lumOff val="35000"/>
+      </a:schemeClr>
+    </cs:fontRef>
+    <cs:defRPr sz="900" kern="1200"/>
+  </cs:valueAxis>
+  <cs:wall>
+    <cs:lnRef idx="0"/>
+    <cs:fillRef idx="0"/>
+    <cs:effectRef idx="0"/>
+    <cs:fontRef idx="minor">
+      <a:schemeClr val="tx1"/>
+    </cs:fontRef>
+    <cs:spPr>
+      <a:noFill/>
+      <a:ln>
+        <a:noFill/>
+      </a:ln>
+    </cs:spPr>
+  </cs:wall>
+</cs:chartStyle>
+</file>
+
 <file path=ppt/notesMasters/notesMaster1.xml><?xml version="1.0" encoding="utf-8"?>
 <p:notesMaster xmlns:a="http://schemas.openxmlformats.org/drawingml/2006/main" xmlns:r="http://schemas.openxmlformats.org/officeDocument/2006/relationships" xmlns:p="http://schemas.openxmlformats.org/presentationml/2006/main">
   <p:cSld>
@@ -497,7 +1489,11 @@
           <a:p>
             <a:r>
               <a:rPr lang="en-US" altLang="zh-CN"/>
-              <a:t>#pagination(size=10)</a:t>
+              <a:t>#</a:t>
+            </a:r>
+            <a:r>
+              <a:rPr lang="en-US" altLang="zh-CN"/>
+              <a:t>for = #pages</a:t>
             </a:r>
             <a:endParaRPr lang="en-US" altLang="zh-CN"/>
           </a:p>
@@ -545,7 +1541,11 @@
           <a:p>
             <a:r>
               <a:rPr lang="en-US" altLang="zh-CN"/>
-              <a:t>#pagination(size=10)</a:t>
+              <a:t>#</a:t>
+            </a:r>
+            <a:r>
+              <a:rPr lang="en-US" altLang="zh-CN"/>
+              <a:t>for=#users1</a:t>
             </a:r>
             <a:endParaRPr lang="en-US" altLang="zh-CN"/>
           </a:p>
@@ -593,7 +1593,11 @@
           <a:p>
             <a:r>
               <a:rPr lang="en-US" altLang="zh-CN"/>
-              <a:t>#pagination(size=10)</a:t>
+              <a:t>#</a:t>
+            </a:r>
+            <a:r>
+              <a:rPr lang="en-US" altLang="zh-CN"/>
+              <a:t>for=#users2</a:t>
             </a:r>
             <a:endParaRPr lang="en-US" altLang="zh-CN"/>
           </a:p>
@@ -3558,14 +4562,7 @@
         <p:cNvGrpSpPr/>
         <p:nvPr/>
       </p:nvGrpSpPr>
-      <p:grpSpPr>
-        <a:xfrm>
-          <a:off x="0" y="0"/>
-          <a:ext cx="0" cy="0"/>
-          <a:chOff x="0" y="0"/>
-          <a:chExt cx="0" cy="0"/>
-        </a:xfrm>
-      </p:grpSpPr>
+      <p:grpSpPr/>
       <p:sp>
         <p:nvSpPr>
           <p:cNvPr id="2" name="标题 1"/>
@@ -3573,10 +4570,7 @@
             <a:spLocks noGrp="1"/>
           </p:cNvSpPr>
           <p:nvPr>
-            <p:ph type="ctrTitle"/>
-            <p:custDataLst>
-              <p:tags r:id="rId1"/>
-            </p:custDataLst>
+            <p:ph type="title"/>
           </p:nvPr>
         </p:nvSpPr>
         <p:spPr/>
@@ -3585,101 +4579,41 @@
           <a:p>
             <a:r>
               <a:rPr lang="en-US" altLang="zh-CN"/>
-              <a:t>Pagination ShowCase</a:t>
+              <a:t>Slide For-Directive</a:t>
             </a:r>
             <a:endParaRPr lang="en-US" altLang="zh-CN"/>
           </a:p>
         </p:txBody>
       </p:sp>
-      <p:sp>
-        <p:nvSpPr>
-          <p:cNvPr id="3" name="副标题 2"/>
-          <p:cNvSpPr>
-            <a:spLocks noGrp="1"/>
-          </p:cNvSpPr>
-          <p:nvPr>
-            <p:ph type="subTitle" idx="1"/>
+      <p:graphicFrame>
+        <p:nvGraphicFramePr>
+          <p:cNvPr id="3" name="图表 2" descr="#pages[#_index_]['chart']"/>
+          <p:cNvGraphicFramePr/>
+          <p:nvPr/>
+        </p:nvGraphicFramePr>
+        <p:xfrm>
+          <a:off x="507365" y="1498600"/>
+          <a:ext cx="5370830" cy="4591685"/>
+        </p:xfrm>
+        <a:graphic>
+          <a:graphicData uri="http://schemas.openxmlformats.org/drawingml/2006/chart">
+            <c:chart xmlns:c="http://schemas.openxmlformats.org/drawingml/2006/chart" xmlns:r="http://schemas.openxmlformats.org/officeDocument/2006/relationships" r:id="rId1"/>
+          </a:graphicData>
+        </a:graphic>
+      </p:graphicFrame>
+      <p:graphicFrame>
+        <p:nvGraphicFramePr>
+          <p:cNvPr id="5" name="表格 4" descr="#pages[#_index_]['table']"/>
+          <p:cNvGraphicFramePr/>
+          <p:nvPr>
             <p:custDataLst>
               <p:tags r:id="rId2"/>
             </p:custDataLst>
           </p:nvPr>
-        </p:nvSpPr>
-        <p:spPr/>
-        <p:txBody>
-          <a:bodyPr/>
-          <a:p>
-            <a:r>
-              <a:rPr lang="zh-CN" altLang="en-US"/>
-              <a:t>分页指令</a:t>
-            </a:r>
-            <a:r>
-              <a:rPr lang="en-US" altLang="zh-CN"/>
-              <a:t> </a:t>
-            </a:r>
-            <a:r>
-              <a:rPr lang="zh-CN" altLang="en-US"/>
-              <a:t>用法演示</a:t>
-            </a:r>
-            <a:endParaRPr lang="zh-CN" altLang="en-US"/>
-          </a:p>
-        </p:txBody>
-      </p:sp>
-    </p:spTree>
-    <p:custDataLst>
-      <p:tags r:id="rId3"/>
-    </p:custDataLst>
-  </p:cSld>
-  <p:clrMapOvr>
-    <a:masterClrMapping/>
-  </p:clrMapOvr>
-</p:sld>
-</file>
-
-<file path=ppt/slides/slide2.xml><?xml version="1.0" encoding="utf-8"?>
-<p:sld xmlns:a="http://schemas.openxmlformats.org/drawingml/2006/main" xmlns:r="http://schemas.openxmlformats.org/officeDocument/2006/relationships" xmlns:p="http://schemas.openxmlformats.org/presentationml/2006/main">
-  <p:cSld>
-    <p:spTree>
-      <p:nvGrpSpPr>
-        <p:cNvPr id="1" name=""/>
-        <p:cNvGrpSpPr/>
-        <p:nvPr/>
-      </p:nvGrpSpPr>
-      <p:grpSpPr/>
-      <p:sp>
-        <p:nvSpPr>
-          <p:cNvPr id="2" name="标题 1"/>
-          <p:cNvSpPr>
-            <a:spLocks noGrp="1"/>
-          </p:cNvSpPr>
-          <p:nvPr>
-            <p:ph type="title"/>
-          </p:nvPr>
-        </p:nvSpPr>
-        <p:spPr/>
-        <p:txBody>
-          <a:bodyPr/>
-          <a:p>
-            <a:r>
-              <a:rPr lang="en-US" altLang="zh-CN"/>
-              <a:t>Slide Pagination</a:t>
-            </a:r>
-            <a:endParaRPr lang="en-US" altLang="zh-CN"/>
-          </a:p>
-        </p:txBody>
-      </p:sp>
-      <p:graphicFrame>
-        <p:nvGraphicFramePr>
-          <p:cNvPr id="4" name="表格 3"/>
-          <p:cNvGraphicFramePr/>
-          <p:nvPr>
-            <p:custDataLst>
-              <p:tags r:id="rId1"/>
-            </p:custDataLst>
-          </p:nvPr>
         </p:nvGraphicFramePr>
         <p:xfrm>
-          <a:off x="1828800" y="2476500"/>
-          <a:ext cx="8533765" cy="1905000"/>
+          <a:off x="6136005" y="2121535"/>
+          <a:ext cx="5643880" cy="2817495"/>
         </p:xfrm>
         <a:graphic>
           <a:graphicData uri="http://schemas.openxmlformats.org/drawingml/2006/table">
@@ -3688,51 +4622,12 @@
                 <a:tableStyleId>{5C22544A-7EE6-4342-B048-85BDC9FD1C3A}</a:tableStyleId>
               </a:tblPr>
               <a:tblGrid>
-                <a:gridCol w="1218565"/>
-                <a:gridCol w="1218565"/>
-                <a:gridCol w="1218565"/>
-                <a:gridCol w="1218565"/>
-                <a:gridCol w="1218565"/>
-                <a:gridCol w="1218565"/>
-                <a:gridCol w="1218565"/>
+                <a:gridCol w="1410970"/>
+                <a:gridCol w="1410970"/>
+                <a:gridCol w="1410970"/>
+                <a:gridCol w="1410970"/>
               </a:tblGrid>
-              <a:tr h="381000">
-                <a:tc>
-                  <a:txBody>
-                    <a:bodyPr/>
-                    <a:p>
-                      <a:pPr>
-                        <a:buNone/>
-                      </a:pPr>
-                      <a:endParaRPr lang="zh-CN" altLang="en-US"/>
-                    </a:p>
-                  </a:txBody>
-                  <a:tcPr/>
-                </a:tc>
-                <a:tc>
-                  <a:txBody>
-                    <a:bodyPr/>
-                    <a:p>
-                      <a:pPr>
-                        <a:buNone/>
-                      </a:pPr>
-                      <a:endParaRPr lang="zh-CN" altLang="en-US"/>
-                    </a:p>
-                  </a:txBody>
-                  <a:tcPr/>
-                </a:tc>
-                <a:tc>
-                  <a:txBody>
-                    <a:bodyPr/>
-                    <a:p>
-                      <a:pPr>
-                        <a:buNone/>
-                      </a:pPr>
-                      <a:endParaRPr lang="zh-CN" altLang="en-US"/>
-                    </a:p>
-                  </a:txBody>
-                  <a:tcPr/>
-                </a:tc>
+              <a:tr h="786130">
                 <a:tc>
                   <a:txBody>
                     <a:bodyPr/>
@@ -3782,43 +4677,7 @@
                   <a:tcPr/>
                 </a:tc>
               </a:tr>
-              <a:tr h="381000">
-                <a:tc>
-                  <a:txBody>
-                    <a:bodyPr/>
-                    <a:p>
-                      <a:pPr>
-                        <a:buNone/>
-                      </a:pPr>
-                      <a:endParaRPr lang="zh-CN" altLang="en-US"/>
-                    </a:p>
-                  </a:txBody>
-                  <a:tcPr/>
-                </a:tc>
-                <a:tc>
-                  <a:txBody>
-                    <a:bodyPr/>
-                    <a:p>
-                      <a:pPr>
-                        <a:buNone/>
-                      </a:pPr>
-                      <a:endParaRPr lang="zh-CN" altLang="en-US"/>
-                    </a:p>
-                  </a:txBody>
-                  <a:tcPr/>
-                </a:tc>
-                <a:tc>
-                  <a:txBody>
-                    <a:bodyPr/>
-                    <a:p>
-                      <a:pPr>
-                        <a:buNone/>
-                      </a:pPr>
-                      <a:endParaRPr lang="zh-CN" altLang="en-US"/>
-                    </a:p>
-                  </a:txBody>
-                  <a:tcPr/>
-                </a:tc>
+              <a:tr h="677545">
                 <a:tc>
                   <a:txBody>
                     <a:bodyPr/>
@@ -3868,43 +4727,7 @@
                   <a:tcPr/>
                 </a:tc>
               </a:tr>
-              <a:tr h="381000">
-                <a:tc>
-                  <a:txBody>
-                    <a:bodyPr/>
-                    <a:p>
-                      <a:pPr>
-                        <a:buNone/>
-                      </a:pPr>
-                      <a:endParaRPr lang="zh-CN" altLang="en-US"/>
-                    </a:p>
-                  </a:txBody>
-                  <a:tcPr/>
-                </a:tc>
-                <a:tc>
-                  <a:txBody>
-                    <a:bodyPr/>
-                    <a:p>
-                      <a:pPr>
-                        <a:buNone/>
-                      </a:pPr>
-                      <a:endParaRPr lang="zh-CN" altLang="en-US"/>
-                    </a:p>
-                  </a:txBody>
-                  <a:tcPr/>
-                </a:tc>
-                <a:tc>
-                  <a:txBody>
-                    <a:bodyPr/>
-                    <a:p>
-                      <a:pPr>
-                        <a:buNone/>
-                      </a:pPr>
-                      <a:endParaRPr lang="zh-CN" altLang="en-US"/>
-                    </a:p>
-                  </a:txBody>
-                  <a:tcPr/>
-                </a:tc>
+              <a:tr h="676275">
                 <a:tc>
                   <a:txBody>
                     <a:bodyPr/>
@@ -3954,129 +4777,7 @@
                   <a:tcPr/>
                 </a:tc>
               </a:tr>
-              <a:tr h="381000">
-                <a:tc>
-                  <a:txBody>
-                    <a:bodyPr/>
-                    <a:p>
-                      <a:pPr>
-                        <a:buNone/>
-                      </a:pPr>
-                      <a:endParaRPr lang="zh-CN" altLang="en-US"/>
-                    </a:p>
-                  </a:txBody>
-                  <a:tcPr/>
-                </a:tc>
-                <a:tc>
-                  <a:txBody>
-                    <a:bodyPr/>
-                    <a:p>
-                      <a:pPr>
-                        <a:buNone/>
-                      </a:pPr>
-                      <a:endParaRPr lang="zh-CN" altLang="en-US"/>
-                    </a:p>
-                  </a:txBody>
-                  <a:tcPr/>
-                </a:tc>
-                <a:tc>
-                  <a:txBody>
-                    <a:bodyPr/>
-                    <a:p>
-                      <a:pPr>
-                        <a:buNone/>
-                      </a:pPr>
-                      <a:endParaRPr lang="zh-CN" altLang="en-US"/>
-                    </a:p>
-                  </a:txBody>
-                  <a:tcPr/>
-                </a:tc>
-                <a:tc>
-                  <a:txBody>
-                    <a:bodyPr/>
-                    <a:p>
-                      <a:pPr>
-                        <a:buNone/>
-                      </a:pPr>
-                      <a:endParaRPr lang="zh-CN" altLang="en-US"/>
-                    </a:p>
-                  </a:txBody>
-                  <a:tcPr/>
-                </a:tc>
-                <a:tc>
-                  <a:txBody>
-                    <a:bodyPr/>
-                    <a:p>
-                      <a:pPr>
-                        <a:buNone/>
-                      </a:pPr>
-                      <a:endParaRPr lang="zh-CN" altLang="en-US"/>
-                    </a:p>
-                  </a:txBody>
-                  <a:tcPr/>
-                </a:tc>
-                <a:tc>
-                  <a:txBody>
-                    <a:bodyPr/>
-                    <a:p>
-                      <a:pPr>
-                        <a:buNone/>
-                      </a:pPr>
-                      <a:endParaRPr lang="zh-CN" altLang="en-US"/>
-                    </a:p>
-                  </a:txBody>
-                  <a:tcPr/>
-                </a:tc>
-                <a:tc>
-                  <a:txBody>
-                    <a:bodyPr/>
-                    <a:p>
-                      <a:pPr>
-                        <a:buNone/>
-                      </a:pPr>
-                      <a:endParaRPr lang="zh-CN" altLang="en-US"/>
-                    </a:p>
-                  </a:txBody>
-                  <a:tcPr/>
-                </a:tc>
-              </a:tr>
-              <a:tr h="381000">
-                <a:tc>
-                  <a:txBody>
-                    <a:bodyPr/>
-                    <a:p>
-                      <a:pPr>
-                        <a:buNone/>
-                      </a:pPr>
-                      <a:endParaRPr lang="zh-CN" altLang="en-US"/>
-                    </a:p>
-                  </a:txBody>
-                  <a:tcPr/>
-                </a:tc>
-                <a:tc>
-                  <a:txBody>
-                    <a:bodyPr/>
-                    <a:p>
-                      <a:pPr>
-                        <a:buNone/>
-                      </a:pPr>
-                      <a:endParaRPr lang="zh-CN" altLang="en-US"/>
-                    </a:p>
-                  </a:txBody>
-                  <a:tcPr/>
-                </a:tc>
-                <a:tc>
-                  <a:txBody>
-                    <a:bodyPr/>
-                    <a:p>
-                      <a:pPr>
-                        <a:buNone/>
-                      </a:pPr>
-                      <a:endParaRPr lang="zh-CN" altLang="en-US"/>
-                    </a:p>
-                  </a:txBody>
-                  <a:tcPr/>
-                </a:tc>
+              <a:tr h="677545">
                 <a:tc>
                   <a:txBody>
                     <a:bodyPr/>
@@ -4132,13 +4833,84 @@
       </p:graphicFrame>
     </p:spTree>
     <p:custDataLst>
-      <p:tags r:id="rId2"/>
+      <p:tags r:id="rId3"/>
     </p:custDataLst>
   </p:cSld>
   <p:clrMapOvr>
     <a:masterClrMapping/>
   </p:clrMapOvr>
   <p:transition/>
+</p:sld>
+</file>
+
+<file path=ppt/slides/slide2.xml><?xml version="1.0" encoding="utf-8"?>
+<p:sld xmlns:a="http://schemas.openxmlformats.org/drawingml/2006/main" xmlns:r="http://schemas.openxmlformats.org/officeDocument/2006/relationships" xmlns:p="http://schemas.openxmlformats.org/presentationml/2006/main">
+  <p:cSld>
+    <p:spTree>
+      <p:nvGrpSpPr>
+        <p:cNvPr id="1" name=""/>
+        <p:cNvGrpSpPr/>
+        <p:nvPr/>
+      </p:nvGrpSpPr>
+      <p:grpSpPr/>
+      <p:sp>
+        <p:nvSpPr>
+          <p:cNvPr id="2" name="标题 1"/>
+          <p:cNvSpPr>
+            <a:spLocks noGrp="1"/>
+          </p:cNvSpPr>
+          <p:nvPr>
+            <p:ph type="title"/>
+          </p:nvPr>
+        </p:nvSpPr>
+        <p:spPr/>
+        <p:txBody>
+          <a:bodyPr>
+            <a:normAutofit fontScale="90000"/>
+          </a:bodyPr>
+          <a:p>
+            <a:r>
+              <a:rPr lang="en-US" altLang="zh-CN"/>
+              <a:t>null </a:t>
+            </a:r>
+            <a:r>
+              <a:rPr lang="zh-CN" altLang="en-US"/>
+              <a:t>会被</a:t>
+            </a:r>
+            <a:r>
+              <a:rPr lang="zh-CN" altLang="en-US"/>
+              <a:t>删除</a:t>
+            </a:r>
+            <a:endParaRPr lang="zh-CN" altLang="en-US"/>
+          </a:p>
+        </p:txBody>
+      </p:sp>
+      <p:sp>
+        <p:nvSpPr>
+          <p:cNvPr id="3" name="文本占位符 2"/>
+          <p:cNvSpPr>
+            <a:spLocks noGrp="1"/>
+          </p:cNvSpPr>
+          <p:nvPr>
+            <p:ph type="body" idx="1"/>
+          </p:nvPr>
+        </p:nvSpPr>
+        <p:spPr/>
+        <p:txBody>
+          <a:bodyPr/>
+          <a:p>
+            <a:endParaRPr lang="zh-CN" altLang="en-US"/>
+          </a:p>
+        </p:txBody>
+      </p:sp>
+    </p:spTree>
+    <p:custDataLst>
+      <p:tags r:id="rId1"/>
+    </p:custDataLst>
+  </p:cSld>
+  <p:clrMapOvr>
+    <a:masterClrMapping/>
+  </p:clrMapOvr>
 </p:sld>
 </file>
 
@@ -4164,995 +4936,52 @@
         </p:nvSpPr>
         <p:spPr/>
         <p:txBody>
+          <a:bodyPr>
+            <a:normAutofit fontScale="90000"/>
+          </a:bodyPr>
+          <a:p>
+            <a:r>
+              <a:rPr lang="en-US" altLang="zh-CN"/>
+              <a:t>isEmpty()</a:t>
+            </a:r>
+            <a:r>
+              <a:rPr lang="zh-CN" altLang="en-US"/>
+              <a:t>也会被</a:t>
+            </a:r>
+            <a:r>
+              <a:rPr lang="zh-CN" altLang="en-US"/>
+              <a:t>删除</a:t>
+            </a:r>
+            <a:endParaRPr lang="zh-CN" altLang="en-US"/>
+          </a:p>
+        </p:txBody>
+      </p:sp>
+      <p:sp>
+        <p:nvSpPr>
+          <p:cNvPr id="3" name="文本占位符 2"/>
+          <p:cNvSpPr>
+            <a:spLocks noGrp="1"/>
+          </p:cNvSpPr>
+          <p:nvPr>
+            <p:ph type="body" idx="1"/>
+          </p:nvPr>
+        </p:nvSpPr>
+        <p:spPr/>
+        <p:txBody>
           <a:bodyPr/>
           <a:p>
-            <a:r>
-              <a:rPr lang="en-US" altLang="zh-CN"/>
-              <a:t>Slide Pagination</a:t>
-            </a:r>
-            <a:endParaRPr lang="en-US" altLang="zh-CN"/>
-          </a:p>
-        </p:txBody>
-      </p:sp>
-      <p:graphicFrame>
-        <p:nvGraphicFramePr>
-          <p:cNvPr id="4" name="表格 3"/>
-          <p:cNvGraphicFramePr/>
-          <p:nvPr>
-            <p:custDataLst>
-              <p:tags r:id="rId1"/>
-            </p:custDataLst>
-          </p:nvPr>
-        </p:nvGraphicFramePr>
-        <p:xfrm>
-          <a:off x="1828800" y="2476500"/>
-          <a:ext cx="8533765" cy="1905000"/>
-        </p:xfrm>
-        <a:graphic>
-          <a:graphicData uri="http://schemas.openxmlformats.org/drawingml/2006/table">
-            <a:tbl>
-              <a:tblPr firstRow="1" bandRow="1">
-                <a:tableStyleId>{5C22544A-7EE6-4342-B048-85BDC9FD1C3A}</a:tableStyleId>
-              </a:tblPr>
-              <a:tblGrid>
-                <a:gridCol w="1218565"/>
-                <a:gridCol w="1218565"/>
-                <a:gridCol w="1218565"/>
-                <a:gridCol w="1218565"/>
-                <a:gridCol w="1218565"/>
-                <a:gridCol w="1218565"/>
-                <a:gridCol w="1218565"/>
-              </a:tblGrid>
-              <a:tr h="381000">
-                <a:tc>
-                  <a:txBody>
-                    <a:bodyPr/>
-                    <a:p>
-                      <a:pPr>
-                        <a:buNone/>
-                      </a:pPr>
-                      <a:endParaRPr lang="zh-CN" altLang="en-US"/>
-                    </a:p>
-                  </a:txBody>
-                  <a:tcPr/>
-                </a:tc>
-                <a:tc>
-                  <a:txBody>
-                    <a:bodyPr/>
-                    <a:p>
-                      <a:pPr>
-                        <a:buNone/>
-                      </a:pPr>
-                      <a:endParaRPr lang="zh-CN" altLang="en-US"/>
-                    </a:p>
-                  </a:txBody>
-                  <a:tcPr/>
-                </a:tc>
-                <a:tc>
-                  <a:txBody>
-                    <a:bodyPr/>
-                    <a:p>
-                      <a:pPr>
-                        <a:buNone/>
-                      </a:pPr>
-                      <a:endParaRPr lang="zh-CN" altLang="en-US"/>
-                    </a:p>
-                  </a:txBody>
-                  <a:tcPr/>
-                </a:tc>
-                <a:tc>
-                  <a:txBody>
-                    <a:bodyPr/>
-                    <a:p>
-                      <a:pPr>
-                        <a:buNone/>
-                      </a:pPr>
-                      <a:endParaRPr lang="zh-CN" altLang="en-US"/>
-                    </a:p>
-                  </a:txBody>
-                  <a:tcPr/>
-                </a:tc>
-                <a:tc>
-                  <a:txBody>
-                    <a:bodyPr/>
-                    <a:p>
-                      <a:pPr>
-                        <a:buNone/>
-                      </a:pPr>
-                      <a:endParaRPr lang="zh-CN" altLang="en-US"/>
-                    </a:p>
-                  </a:txBody>
-                  <a:tcPr/>
-                </a:tc>
-                <a:tc>
-                  <a:txBody>
-                    <a:bodyPr/>
-                    <a:p>
-                      <a:pPr>
-                        <a:buNone/>
-                      </a:pPr>
-                      <a:endParaRPr lang="zh-CN" altLang="en-US"/>
-                    </a:p>
-                  </a:txBody>
-                  <a:tcPr/>
-                </a:tc>
-                <a:tc>
-                  <a:txBody>
-                    <a:bodyPr/>
-                    <a:p>
-                      <a:pPr>
-                        <a:buNone/>
-                      </a:pPr>
-                      <a:endParaRPr lang="zh-CN" altLang="en-US"/>
-                    </a:p>
-                  </a:txBody>
-                  <a:tcPr/>
-                </a:tc>
-              </a:tr>
-              <a:tr h="381000">
-                <a:tc>
-                  <a:txBody>
-                    <a:bodyPr/>
-                    <a:p>
-                      <a:pPr>
-                        <a:buNone/>
-                      </a:pPr>
-                      <a:endParaRPr lang="zh-CN" altLang="en-US"/>
-                    </a:p>
-                  </a:txBody>
-                  <a:tcPr/>
-                </a:tc>
-                <a:tc>
-                  <a:txBody>
-                    <a:bodyPr/>
-                    <a:p>
-                      <a:pPr>
-                        <a:buNone/>
-                      </a:pPr>
-                      <a:endParaRPr lang="zh-CN" altLang="en-US"/>
-                    </a:p>
-                  </a:txBody>
-                  <a:tcPr/>
-                </a:tc>
-                <a:tc>
-                  <a:txBody>
-                    <a:bodyPr/>
-                    <a:p>
-                      <a:pPr>
-                        <a:buNone/>
-                      </a:pPr>
-                      <a:endParaRPr lang="zh-CN" altLang="en-US"/>
-                    </a:p>
-                  </a:txBody>
-                  <a:tcPr/>
-                </a:tc>
-                <a:tc>
-                  <a:txBody>
-                    <a:bodyPr/>
-                    <a:p>
-                      <a:pPr>
-                        <a:buNone/>
-                      </a:pPr>
-                      <a:endParaRPr lang="zh-CN" altLang="en-US"/>
-                    </a:p>
-                  </a:txBody>
-                  <a:tcPr/>
-                </a:tc>
-                <a:tc>
-                  <a:txBody>
-                    <a:bodyPr/>
-                    <a:p>
-                      <a:pPr>
-                        <a:buNone/>
-                      </a:pPr>
-                      <a:endParaRPr lang="zh-CN" altLang="en-US"/>
-                    </a:p>
-                  </a:txBody>
-                  <a:tcPr/>
-                </a:tc>
-                <a:tc>
-                  <a:txBody>
-                    <a:bodyPr/>
-                    <a:p>
-                      <a:pPr>
-                        <a:buNone/>
-                      </a:pPr>
-                      <a:endParaRPr lang="zh-CN" altLang="en-US"/>
-                    </a:p>
-                  </a:txBody>
-                  <a:tcPr/>
-                </a:tc>
-                <a:tc>
-                  <a:txBody>
-                    <a:bodyPr/>
-                    <a:p>
-                      <a:pPr>
-                        <a:buNone/>
-                      </a:pPr>
-                      <a:endParaRPr lang="zh-CN" altLang="en-US"/>
-                    </a:p>
-                  </a:txBody>
-                  <a:tcPr/>
-                </a:tc>
-              </a:tr>
-              <a:tr h="381000">
-                <a:tc>
-                  <a:txBody>
-                    <a:bodyPr/>
-                    <a:p>
-                      <a:pPr>
-                        <a:buNone/>
-                      </a:pPr>
-                      <a:endParaRPr lang="zh-CN" altLang="en-US"/>
-                    </a:p>
-                  </a:txBody>
-                  <a:tcPr/>
-                </a:tc>
-                <a:tc>
-                  <a:txBody>
-                    <a:bodyPr/>
-                    <a:p>
-                      <a:pPr>
-                        <a:buNone/>
-                      </a:pPr>
-                      <a:endParaRPr lang="zh-CN" altLang="en-US"/>
-                    </a:p>
-                  </a:txBody>
-                  <a:tcPr/>
-                </a:tc>
-                <a:tc>
-                  <a:txBody>
-                    <a:bodyPr/>
-                    <a:p>
-                      <a:pPr>
-                        <a:buNone/>
-                      </a:pPr>
-                      <a:endParaRPr lang="zh-CN" altLang="en-US"/>
-                    </a:p>
-                  </a:txBody>
-                  <a:tcPr/>
-                </a:tc>
-                <a:tc>
-                  <a:txBody>
-                    <a:bodyPr/>
-                    <a:p>
-                      <a:pPr>
-                        <a:buNone/>
-                      </a:pPr>
-                      <a:endParaRPr lang="zh-CN" altLang="en-US"/>
-                    </a:p>
-                  </a:txBody>
-                  <a:tcPr/>
-                </a:tc>
-                <a:tc>
-                  <a:txBody>
-                    <a:bodyPr/>
-                    <a:p>
-                      <a:pPr>
-                        <a:buNone/>
-                      </a:pPr>
-                      <a:endParaRPr lang="zh-CN" altLang="en-US"/>
-                    </a:p>
-                  </a:txBody>
-                  <a:tcPr/>
-                </a:tc>
-                <a:tc>
-                  <a:txBody>
-                    <a:bodyPr/>
-                    <a:p>
-                      <a:pPr>
-                        <a:buNone/>
-                      </a:pPr>
-                      <a:endParaRPr lang="zh-CN" altLang="en-US"/>
-                    </a:p>
-                  </a:txBody>
-                  <a:tcPr/>
-                </a:tc>
-                <a:tc>
-                  <a:txBody>
-                    <a:bodyPr/>
-                    <a:p>
-                      <a:pPr>
-                        <a:buNone/>
-                      </a:pPr>
-                      <a:endParaRPr lang="zh-CN" altLang="en-US"/>
-                    </a:p>
-                  </a:txBody>
-                  <a:tcPr/>
-                </a:tc>
-              </a:tr>
-              <a:tr h="381000">
-                <a:tc>
-                  <a:txBody>
-                    <a:bodyPr/>
-                    <a:p>
-                      <a:pPr>
-                        <a:buNone/>
-                      </a:pPr>
-                      <a:endParaRPr lang="zh-CN" altLang="en-US"/>
-                    </a:p>
-                  </a:txBody>
-                  <a:tcPr/>
-                </a:tc>
-                <a:tc>
-                  <a:txBody>
-                    <a:bodyPr/>
-                    <a:p>
-                      <a:pPr>
-                        <a:buNone/>
-                      </a:pPr>
-                      <a:endParaRPr lang="zh-CN" altLang="en-US"/>
-                    </a:p>
-                  </a:txBody>
-                  <a:tcPr/>
-                </a:tc>
-                <a:tc>
-                  <a:txBody>
-                    <a:bodyPr/>
-                    <a:p>
-                      <a:pPr>
-                        <a:buNone/>
-                      </a:pPr>
-                      <a:endParaRPr lang="zh-CN" altLang="en-US"/>
-                    </a:p>
-                  </a:txBody>
-                  <a:tcPr/>
-                </a:tc>
-                <a:tc>
-                  <a:txBody>
-                    <a:bodyPr/>
-                    <a:p>
-                      <a:pPr>
-                        <a:buNone/>
-                      </a:pPr>
-                      <a:endParaRPr lang="zh-CN" altLang="en-US"/>
-                    </a:p>
-                  </a:txBody>
-                  <a:tcPr/>
-                </a:tc>
-                <a:tc>
-                  <a:txBody>
-                    <a:bodyPr/>
-                    <a:p>
-                      <a:pPr>
-                        <a:buNone/>
-                      </a:pPr>
-                      <a:endParaRPr lang="zh-CN" altLang="en-US"/>
-                    </a:p>
-                  </a:txBody>
-                  <a:tcPr/>
-                </a:tc>
-                <a:tc>
-                  <a:txBody>
-                    <a:bodyPr/>
-                    <a:p>
-                      <a:pPr>
-                        <a:buNone/>
-                      </a:pPr>
-                      <a:endParaRPr lang="zh-CN" altLang="en-US"/>
-                    </a:p>
-                  </a:txBody>
-                  <a:tcPr/>
-                </a:tc>
-                <a:tc>
-                  <a:txBody>
-                    <a:bodyPr/>
-                    <a:p>
-                      <a:pPr>
-                        <a:buNone/>
-                      </a:pPr>
-                      <a:endParaRPr lang="zh-CN" altLang="en-US"/>
-                    </a:p>
-                  </a:txBody>
-                  <a:tcPr/>
-                </a:tc>
-              </a:tr>
-              <a:tr h="381000">
-                <a:tc>
-                  <a:txBody>
-                    <a:bodyPr/>
-                    <a:p>
-                      <a:pPr>
-                        <a:buNone/>
-                      </a:pPr>
-                      <a:endParaRPr lang="zh-CN" altLang="en-US"/>
-                    </a:p>
-                  </a:txBody>
-                  <a:tcPr/>
-                </a:tc>
-                <a:tc>
-                  <a:txBody>
-                    <a:bodyPr/>
-                    <a:p>
-                      <a:pPr>
-                        <a:buNone/>
-                      </a:pPr>
-                      <a:endParaRPr lang="zh-CN" altLang="en-US"/>
-                    </a:p>
-                  </a:txBody>
-                  <a:tcPr/>
-                </a:tc>
-                <a:tc>
-                  <a:txBody>
-                    <a:bodyPr/>
-                    <a:p>
-                      <a:pPr>
-                        <a:buNone/>
-                      </a:pPr>
-                      <a:endParaRPr lang="zh-CN" altLang="en-US"/>
-                    </a:p>
-                  </a:txBody>
-                  <a:tcPr/>
-                </a:tc>
-                <a:tc>
-                  <a:txBody>
-                    <a:bodyPr/>
-                    <a:p>
-                      <a:pPr>
-                        <a:buNone/>
-                      </a:pPr>
-                      <a:endParaRPr lang="zh-CN" altLang="en-US"/>
-                    </a:p>
-                  </a:txBody>
-                  <a:tcPr/>
-                </a:tc>
-                <a:tc>
-                  <a:txBody>
-                    <a:bodyPr/>
-                    <a:p>
-                      <a:pPr>
-                        <a:buNone/>
-                      </a:pPr>
-                      <a:endParaRPr lang="zh-CN" altLang="en-US"/>
-                    </a:p>
-                  </a:txBody>
-                  <a:tcPr/>
-                </a:tc>
-                <a:tc>
-                  <a:txBody>
-                    <a:bodyPr/>
-                    <a:p>
-                      <a:pPr>
-                        <a:buNone/>
-                      </a:pPr>
-                      <a:endParaRPr lang="zh-CN" altLang="en-US"/>
-                    </a:p>
-                  </a:txBody>
-                  <a:tcPr/>
-                </a:tc>
-                <a:tc>
-                  <a:txBody>
-                    <a:bodyPr/>
-                    <a:p>
-                      <a:pPr>
-                        <a:buNone/>
-                      </a:pPr>
-                      <a:endParaRPr lang="zh-CN" altLang="en-US"/>
-                    </a:p>
-                  </a:txBody>
-                  <a:tcPr/>
-                </a:tc>
-              </a:tr>
-            </a:tbl>
-          </a:graphicData>
-        </a:graphic>
-      </p:graphicFrame>
+            <a:endParaRPr lang="zh-CN" altLang="en-US"/>
+          </a:p>
+        </p:txBody>
+      </p:sp>
     </p:spTree>
     <p:custDataLst>
-      <p:tags r:id="rId2"/>
+      <p:tags r:id="rId1"/>
     </p:custDataLst>
   </p:cSld>
   <p:clrMapOvr>
     <a:masterClrMapping/>
   </p:clrMapOvr>
-  <p:transition/>
-</p:sld>
-</file>
-
-<file path=ppt/slides/slide4.xml><?xml version="1.0" encoding="utf-8"?>
-<p:sld xmlns:a="http://schemas.openxmlformats.org/drawingml/2006/main" xmlns:r="http://schemas.openxmlformats.org/officeDocument/2006/relationships" xmlns:p="http://schemas.openxmlformats.org/presentationml/2006/main">
-  <p:cSld>
-    <p:spTree>
-      <p:nvGrpSpPr>
-        <p:cNvPr id="1" name=""/>
-        <p:cNvGrpSpPr/>
-        <p:nvPr/>
-      </p:nvGrpSpPr>
-      <p:grpSpPr/>
-      <p:sp>
-        <p:nvSpPr>
-          <p:cNvPr id="2" name="标题 1"/>
-          <p:cNvSpPr>
-            <a:spLocks noGrp="1"/>
-          </p:cNvSpPr>
-          <p:nvPr>
-            <p:ph type="title"/>
-          </p:nvPr>
-        </p:nvSpPr>
-        <p:spPr/>
-        <p:txBody>
-          <a:bodyPr/>
-          <a:p>
-            <a:r>
-              <a:rPr lang="en-US" altLang="zh-CN"/>
-              <a:t>Slide Pagination</a:t>
-            </a:r>
-            <a:endParaRPr lang="en-US" altLang="zh-CN"/>
-          </a:p>
-        </p:txBody>
-      </p:sp>
-      <p:graphicFrame>
-        <p:nvGraphicFramePr>
-          <p:cNvPr id="4" name="表格 3"/>
-          <p:cNvGraphicFramePr/>
-          <p:nvPr>
-            <p:custDataLst>
-              <p:tags r:id="rId1"/>
-            </p:custDataLst>
-          </p:nvPr>
-        </p:nvGraphicFramePr>
-        <p:xfrm>
-          <a:off x="1828800" y="2476500"/>
-          <a:ext cx="8533765" cy="1905000"/>
-        </p:xfrm>
-        <a:graphic>
-          <a:graphicData uri="http://schemas.openxmlformats.org/drawingml/2006/table">
-            <a:tbl>
-              <a:tblPr firstRow="1" bandRow="1">
-                <a:tableStyleId>{5C22544A-7EE6-4342-B048-85BDC9FD1C3A}</a:tableStyleId>
-              </a:tblPr>
-              <a:tblGrid>
-                <a:gridCol w="1218565"/>
-                <a:gridCol w="1218565"/>
-                <a:gridCol w="1218565"/>
-                <a:gridCol w="1218565"/>
-                <a:gridCol w="1218565"/>
-                <a:gridCol w="1218565"/>
-                <a:gridCol w="1218565"/>
-              </a:tblGrid>
-              <a:tr h="381000">
-                <a:tc>
-                  <a:txBody>
-                    <a:bodyPr/>
-                    <a:p>
-                      <a:pPr>
-                        <a:buNone/>
-                      </a:pPr>
-                      <a:endParaRPr lang="zh-CN" altLang="en-US"/>
-                    </a:p>
-                  </a:txBody>
-                  <a:tcPr/>
-                </a:tc>
-                <a:tc>
-                  <a:txBody>
-                    <a:bodyPr/>
-                    <a:p>
-                      <a:pPr>
-                        <a:buNone/>
-                      </a:pPr>
-                      <a:endParaRPr lang="zh-CN" altLang="en-US"/>
-                    </a:p>
-                  </a:txBody>
-                  <a:tcPr/>
-                </a:tc>
-                <a:tc>
-                  <a:txBody>
-                    <a:bodyPr/>
-                    <a:p>
-                      <a:pPr>
-                        <a:buNone/>
-                      </a:pPr>
-                      <a:endParaRPr lang="zh-CN" altLang="en-US"/>
-                    </a:p>
-                  </a:txBody>
-                  <a:tcPr/>
-                </a:tc>
-                <a:tc>
-                  <a:txBody>
-                    <a:bodyPr/>
-                    <a:p>
-                      <a:pPr>
-                        <a:buNone/>
-                      </a:pPr>
-                      <a:endParaRPr lang="zh-CN" altLang="en-US"/>
-                    </a:p>
-                  </a:txBody>
-                  <a:tcPr/>
-                </a:tc>
-                <a:tc>
-                  <a:txBody>
-                    <a:bodyPr/>
-                    <a:p>
-                      <a:pPr>
-                        <a:buNone/>
-                      </a:pPr>
-                      <a:endParaRPr lang="zh-CN" altLang="en-US"/>
-                    </a:p>
-                  </a:txBody>
-                  <a:tcPr/>
-                </a:tc>
-                <a:tc>
-                  <a:txBody>
-                    <a:bodyPr/>
-                    <a:p>
-                      <a:pPr>
-                        <a:buNone/>
-                      </a:pPr>
-                      <a:endParaRPr lang="zh-CN" altLang="en-US"/>
-                    </a:p>
-                  </a:txBody>
-                  <a:tcPr/>
-                </a:tc>
-                <a:tc>
-                  <a:txBody>
-                    <a:bodyPr/>
-                    <a:p>
-                      <a:pPr>
-                        <a:buNone/>
-                      </a:pPr>
-                      <a:endParaRPr lang="zh-CN" altLang="en-US"/>
-                    </a:p>
-                  </a:txBody>
-                  <a:tcPr/>
-                </a:tc>
-              </a:tr>
-              <a:tr h="381000">
-                <a:tc>
-                  <a:txBody>
-                    <a:bodyPr/>
-                    <a:p>
-                      <a:pPr>
-                        <a:buNone/>
-                      </a:pPr>
-                      <a:endParaRPr lang="zh-CN" altLang="en-US"/>
-                    </a:p>
-                  </a:txBody>
-                  <a:tcPr/>
-                </a:tc>
-                <a:tc>
-                  <a:txBody>
-                    <a:bodyPr/>
-                    <a:p>
-                      <a:pPr>
-                        <a:buNone/>
-                      </a:pPr>
-                      <a:endParaRPr lang="zh-CN" altLang="en-US"/>
-                    </a:p>
-                  </a:txBody>
-                  <a:tcPr/>
-                </a:tc>
-                <a:tc>
-                  <a:txBody>
-                    <a:bodyPr/>
-                    <a:p>
-                      <a:pPr>
-                        <a:buNone/>
-                      </a:pPr>
-                      <a:endParaRPr lang="zh-CN" altLang="en-US"/>
-                    </a:p>
-                  </a:txBody>
-                  <a:tcPr/>
-                </a:tc>
-                <a:tc>
-                  <a:txBody>
-                    <a:bodyPr/>
-                    <a:p>
-                      <a:pPr>
-                        <a:buNone/>
-                      </a:pPr>
-                      <a:endParaRPr lang="zh-CN" altLang="en-US"/>
-                    </a:p>
-                  </a:txBody>
-                  <a:tcPr/>
-                </a:tc>
-                <a:tc>
-                  <a:txBody>
-                    <a:bodyPr/>
-                    <a:p>
-                      <a:pPr>
-                        <a:buNone/>
-                      </a:pPr>
-                      <a:endParaRPr lang="zh-CN" altLang="en-US"/>
-                    </a:p>
-                  </a:txBody>
-                  <a:tcPr/>
-                </a:tc>
-                <a:tc>
-                  <a:txBody>
-                    <a:bodyPr/>
-                    <a:p>
-                      <a:pPr>
-                        <a:buNone/>
-                      </a:pPr>
-                      <a:endParaRPr lang="zh-CN" altLang="en-US"/>
-                    </a:p>
-                  </a:txBody>
-                  <a:tcPr/>
-                </a:tc>
-                <a:tc>
-                  <a:txBody>
-                    <a:bodyPr/>
-                    <a:p>
-                      <a:pPr>
-                        <a:buNone/>
-                      </a:pPr>
-                      <a:endParaRPr lang="zh-CN" altLang="en-US"/>
-                    </a:p>
-                  </a:txBody>
-                  <a:tcPr/>
-                </a:tc>
-              </a:tr>
-              <a:tr h="381000">
-                <a:tc>
-                  <a:txBody>
-                    <a:bodyPr/>
-                    <a:p>
-                      <a:pPr>
-                        <a:buNone/>
-                      </a:pPr>
-                      <a:endParaRPr lang="zh-CN" altLang="en-US"/>
-                    </a:p>
-                  </a:txBody>
-                  <a:tcPr/>
-                </a:tc>
-                <a:tc>
-                  <a:txBody>
-                    <a:bodyPr/>
-                    <a:p>
-                      <a:pPr>
-                        <a:buNone/>
-                      </a:pPr>
-                      <a:endParaRPr lang="zh-CN" altLang="en-US"/>
-                    </a:p>
-                  </a:txBody>
-                  <a:tcPr/>
-                </a:tc>
-                <a:tc>
-                  <a:txBody>
-                    <a:bodyPr/>
-                    <a:p>
-                      <a:pPr>
-                        <a:buNone/>
-                      </a:pPr>
-                      <a:endParaRPr lang="zh-CN" altLang="en-US"/>
-                    </a:p>
-                  </a:txBody>
-                  <a:tcPr/>
-                </a:tc>
-                <a:tc>
-                  <a:txBody>
-                    <a:bodyPr/>
-                    <a:p>
-                      <a:pPr>
-                        <a:buNone/>
-                      </a:pPr>
-                      <a:endParaRPr lang="zh-CN" altLang="en-US"/>
-                    </a:p>
-                  </a:txBody>
-                  <a:tcPr/>
-                </a:tc>
-                <a:tc>
-                  <a:txBody>
-                    <a:bodyPr/>
-                    <a:p>
-                      <a:pPr>
-                        <a:buNone/>
-                      </a:pPr>
-                      <a:endParaRPr lang="zh-CN" altLang="en-US"/>
-                    </a:p>
-                  </a:txBody>
-                  <a:tcPr/>
-                </a:tc>
-                <a:tc>
-                  <a:txBody>
-                    <a:bodyPr/>
-                    <a:p>
-                      <a:pPr>
-                        <a:buNone/>
-                      </a:pPr>
-                      <a:endParaRPr lang="zh-CN" altLang="en-US"/>
-                    </a:p>
-                  </a:txBody>
-                  <a:tcPr/>
-                </a:tc>
-                <a:tc>
-                  <a:txBody>
-                    <a:bodyPr/>
-                    <a:p>
-                      <a:pPr>
-                        <a:buNone/>
-                      </a:pPr>
-                      <a:endParaRPr lang="zh-CN" altLang="en-US"/>
-                    </a:p>
-                  </a:txBody>
-                  <a:tcPr/>
-                </a:tc>
-              </a:tr>
-              <a:tr h="381000">
-                <a:tc>
-                  <a:txBody>
-                    <a:bodyPr/>
-                    <a:p>
-                      <a:pPr>
-                        <a:buNone/>
-                      </a:pPr>
-                      <a:endParaRPr lang="zh-CN" altLang="en-US"/>
-                    </a:p>
-                  </a:txBody>
-                  <a:tcPr/>
-                </a:tc>
-                <a:tc>
-                  <a:txBody>
-                    <a:bodyPr/>
-                    <a:p>
-                      <a:pPr>
-                        <a:buNone/>
-                      </a:pPr>
-                      <a:endParaRPr lang="zh-CN" altLang="en-US"/>
-                    </a:p>
-                  </a:txBody>
-                  <a:tcPr/>
-                </a:tc>
-                <a:tc>
-                  <a:txBody>
-                    <a:bodyPr/>
-                    <a:p>
-                      <a:pPr>
-                        <a:buNone/>
-                      </a:pPr>
-                      <a:endParaRPr lang="zh-CN" altLang="en-US"/>
-                    </a:p>
-                  </a:txBody>
-                  <a:tcPr/>
-                </a:tc>
-                <a:tc>
-                  <a:txBody>
-                    <a:bodyPr/>
-                    <a:p>
-                      <a:pPr>
-                        <a:buNone/>
-                      </a:pPr>
-                      <a:endParaRPr lang="zh-CN" altLang="en-US"/>
-                    </a:p>
-                  </a:txBody>
-                  <a:tcPr/>
-                </a:tc>
-                <a:tc>
-                  <a:txBody>
-                    <a:bodyPr/>
-                    <a:p>
-                      <a:pPr>
-                        <a:buNone/>
-                      </a:pPr>
-                      <a:endParaRPr lang="zh-CN" altLang="en-US"/>
-                    </a:p>
-                  </a:txBody>
-                  <a:tcPr/>
-                </a:tc>
-                <a:tc>
-                  <a:txBody>
-                    <a:bodyPr/>
-                    <a:p>
-                      <a:pPr>
-                        <a:buNone/>
-                      </a:pPr>
-                      <a:endParaRPr lang="zh-CN" altLang="en-US"/>
-                    </a:p>
-                  </a:txBody>
-                  <a:tcPr/>
-                </a:tc>
-                <a:tc>
-                  <a:txBody>
-                    <a:bodyPr/>
-                    <a:p>
-                      <a:pPr>
-                        <a:buNone/>
-                      </a:pPr>
-                      <a:endParaRPr lang="zh-CN" altLang="en-US"/>
-                    </a:p>
-                  </a:txBody>
-                  <a:tcPr/>
-                </a:tc>
-              </a:tr>
-              <a:tr h="381000">
-                <a:tc>
-                  <a:txBody>
-                    <a:bodyPr/>
-                    <a:p>
-                      <a:pPr>
-                        <a:buNone/>
-                      </a:pPr>
-                      <a:endParaRPr lang="zh-CN" altLang="en-US"/>
-                    </a:p>
-                  </a:txBody>
-                  <a:tcPr/>
-                </a:tc>
-                <a:tc>
-                  <a:txBody>
-                    <a:bodyPr/>
-                    <a:p>
-                      <a:pPr>
-                        <a:buNone/>
-                      </a:pPr>
-                      <a:endParaRPr lang="zh-CN" altLang="en-US"/>
-                    </a:p>
-                  </a:txBody>
-                  <a:tcPr/>
-                </a:tc>
-                <a:tc>
-                  <a:txBody>
-                    <a:bodyPr/>
-                    <a:p>
-                      <a:pPr>
-                        <a:buNone/>
-                      </a:pPr>
-                      <a:endParaRPr lang="zh-CN" altLang="en-US"/>
-                    </a:p>
-                  </a:txBody>
-                  <a:tcPr/>
-                </a:tc>
-                <a:tc>
-                  <a:txBody>
-                    <a:bodyPr/>
-                    <a:p>
-                      <a:pPr>
-                        <a:buNone/>
-                      </a:pPr>
-                      <a:endParaRPr lang="zh-CN" altLang="en-US"/>
-                    </a:p>
-                  </a:txBody>
-                  <a:tcPr/>
-                </a:tc>
-                <a:tc>
-                  <a:txBody>
-                    <a:bodyPr/>
-                    <a:p>
-                      <a:pPr>
-                        <a:buNone/>
-                      </a:pPr>
-                      <a:endParaRPr lang="zh-CN" altLang="en-US"/>
-                    </a:p>
-                  </a:txBody>
-                  <a:tcPr/>
-                </a:tc>
-                <a:tc>
-                  <a:txBody>
-                    <a:bodyPr/>
-                    <a:p>
-                      <a:pPr>
-                        <a:buNone/>
-                      </a:pPr>
-                      <a:endParaRPr lang="zh-CN" altLang="en-US"/>
-                    </a:p>
-                  </a:txBody>
-                  <a:tcPr/>
-                </a:tc>
-                <a:tc>
-                  <a:txBody>
-                    <a:bodyPr/>
-                    <a:p>
-                      <a:pPr>
-                        <a:buNone/>
-                      </a:pPr>
-                      <a:endParaRPr lang="zh-CN" altLang="en-US"/>
-                    </a:p>
-                  </a:txBody>
-                  <a:tcPr/>
-                </a:tc>
-              </a:tr>
-            </a:tbl>
-          </a:graphicData>
-        </a:graphic>
-      </p:graphicFrame>
-    </p:spTree>
-    <p:custDataLst>
-      <p:tags r:id="rId2"/>
-    </p:custDataLst>
-  </p:cSld>
-  <p:clrMapOvr>
-    <a:masterClrMapping/>
-  </p:clrMapOvr>
-  <p:transition/>
 </p:sld>
 </file>
 
@@ -5930,96 +5759,39 @@
 
 <file path=ppt/tags/tag63.xml><?xml version="1.0" encoding="utf-8"?>
 <p:tagLst xmlns:p="http://schemas.openxmlformats.org/presentationml/2006/main">
-  <p:tag name="KSO_WM_UNIT_ISCONTENTSTITLE" val="0"/>
-  <p:tag name="KSO_WM_UNIT_ISNUMDGMTITLE" val="0"/>
-  <p:tag name="KSO_WM_UNIT_PRESET_TEXT" val="空白演示"/>
-  <p:tag name="KSO_WM_UNIT_NOCLEAR" val="0"/>
-  <p:tag name="KSO_WM_UNIT_SHOW_EDIT_AREA_INDICATION" val="1"/>
-  <p:tag name="KSO_WM_UNIT_VALUE" val="28"/>
-  <p:tag name="KSO_WM_UNIT_HIGHLIGHT" val="0"/>
-  <p:tag name="KSO_WM_UNIT_COMPATIBLE" val="0"/>
-  <p:tag name="KSO_WM_UNIT_DIAGRAM_ISNUMVISUAL" val="0"/>
-  <p:tag name="KSO_WM_UNIT_DIAGRAM_ISREFERUNIT" val="0"/>
-  <p:tag name="KSO_WM_UNIT_TYPE" val="a"/>
-  <p:tag name="KSO_WM_UNIT_INDEX" val="1"/>
-  <p:tag name="KSO_WM_UNIT_ID" val="custom20205176_1*a*1"/>
+  <p:tag name="KSO_WM_UNIT_TABLE_BEAUTIFY" val="smartTable{5a850f92-f919-433e-b824-0cfc9506cd96}"/>
+  <p:tag name="TABLE_ENDDRAG_ORIGIN_RECT" val="444*221"/>
+  <p:tag name="TABLE_ENDDRAG_RECT" val="483*167*444*221"/>
+</p:tagLst>
+</file>
+
+<file path=ppt/tags/tag64.xml><?xml version="1.0" encoding="utf-8"?>
+<p:tagLst xmlns:p="http://schemas.openxmlformats.org/presentationml/2006/main">
+  <p:tag name="KSO_WM_BEAUTIFY_FLAG" val="#wm#"/>
   <p:tag name="KSO_WM_TEMPLATE_CATEGORY" val="custom"/>
   <p:tag name="KSO_WM_TEMPLATE_INDEX" val="20205176"/>
-  <p:tag name="KSO_WM_UNIT_LAYERLEVEL" val="1"/>
-  <p:tag name="KSO_WM_TAG_VERSION" val="1.0"/>
-  <p:tag name="KSO_WM_BEAUTIFY_FLAG" val="#wm#"/>
-</p:tagLst>
-</file>
-
-<file path=ppt/tags/tag64.xml><?xml version="1.0" encoding="utf-8"?>
-<p:tagLst xmlns:p="http://schemas.openxmlformats.org/presentationml/2006/main">
-  <p:tag name="KSO_WM_UNIT_ISCONTENTSTITLE" val="0"/>
-  <p:tag name="KSO_WM_UNIT_ISNUMDGMTITLE" val="0"/>
-  <p:tag name="KSO_WM_UNIT_PRESET_TEXT" val="单击输入您的封面副标题"/>
-  <p:tag name="KSO_WM_UNIT_NOCLEAR" val="0"/>
-  <p:tag name="KSO_WM_UNIT_SHOW_EDIT_AREA_INDICATION" val="1"/>
-  <p:tag name="KSO_WM_UNIT_VALUE" val="111"/>
-  <p:tag name="KSO_WM_UNIT_HIGHLIGHT" val="0"/>
-  <p:tag name="KSO_WM_UNIT_COMPATIBLE" val="0"/>
-  <p:tag name="KSO_WM_UNIT_DIAGRAM_ISNUMVISUAL" val="0"/>
-  <p:tag name="KSO_WM_UNIT_DIAGRAM_ISREFERUNIT" val="0"/>
-  <p:tag name="KSO_WM_UNIT_TYPE" val="b"/>
-  <p:tag name="KSO_WM_UNIT_INDEX" val="1"/>
-  <p:tag name="KSO_WM_UNIT_ID" val="custom20205176_1*b*1"/>
+</p:tagLst>
+</file>
+
+<file path=ppt/tags/tag65.xml><?xml version="1.0" encoding="utf-8"?>
+<p:tagLst xmlns:p="http://schemas.openxmlformats.org/presentationml/2006/main">
+  <p:tag name="KSO_WM_BEAUTIFY_FLAG" val="#wm#"/>
   <p:tag name="KSO_WM_TEMPLATE_CATEGORY" val="custom"/>
   <p:tag name="KSO_WM_TEMPLATE_INDEX" val="20205176"/>
-  <p:tag name="KSO_WM_UNIT_LAYERLEVEL" val="1"/>
-  <p:tag name="KSO_WM_TAG_VERSION" val="1.0"/>
-  <p:tag name="KSO_WM_BEAUTIFY_FLAG" val="#wm#"/>
-</p:tagLst>
-</file>
-
-<file path=ppt/tags/tag65.xml><?xml version="1.0" encoding="utf-8"?>
-<p:tagLst xmlns:p="http://schemas.openxmlformats.org/presentationml/2006/main">
-  <p:tag name="KSO_WM_SLIDE_ID" val="custom20205176_1"/>
-  <p:tag name="KSO_WM_TEMPLATE_SUBCATEGORY" val="19"/>
-  <p:tag name="KSO_WM_TEMPLATE_MASTER_TYPE" val="0"/>
-  <p:tag name="KSO_WM_TEMPLATE_COLOR_TYPE" val="1"/>
-  <p:tag name="KSO_WM_SLIDE_TYPE" val="title"/>
-  <p:tag name="KSO_WM_SLIDE_SUBTYPE" val="defaultBlank"/>
-  <p:tag name="KSO_WM_SLIDE_ITEM_CNT" val="0"/>
-  <p:tag name="KSO_WM_SLIDE_INDEX" val="1"/>
-  <p:tag name="KSO_WM_TAG_VERSION" val="1.0"/>
+</p:tagLst>
+</file>
+
+<file path=ppt/tags/tag66.xml><?xml version="1.0" encoding="utf-8"?>
+<p:tagLst xmlns:p="http://schemas.openxmlformats.org/presentationml/2006/main">
   <p:tag name="KSO_WM_BEAUTIFY_FLAG" val="#wm#"/>
   <p:tag name="KSO_WM_TEMPLATE_CATEGORY" val="custom"/>
   <p:tag name="KSO_WM_TEMPLATE_INDEX" val="20205176"/>
-  <p:tag name="KSO_WM_SLIDE_LAYOUT" val="a_b"/>
-  <p:tag name="KSO_WM_SLIDE_LAYOUT_CNT" val="1_1"/>
-  <p:tag name="KSO_WM_UNIT_SHOW_EDIT_AREA_INDICATION" val="1"/>
-  <p:tag name="KSO_WM_TEMPLATE_THUMBS_INDEX" val="1、4、7、12、13、14、15、16、17、18、20、24、25、28、33、36、40、43、44"/>
-</p:tagLst>
-</file>
-
-<file path=ppt/tags/tag66.xml><?xml version="1.0" encoding="utf-8"?>
-<p:tagLst xmlns:p="http://schemas.openxmlformats.org/presentationml/2006/main">
-  <p:tag name="KSO_WM_UNIT_TABLE_BEAUTIFY" val="smartTable{acfb907c-5dc6-416d-9f48-bcabedb4fb99}"/>
 </p:tagLst>
 </file>
 
 <file path=ppt/tags/tag67.xml><?xml version="1.0" encoding="utf-8"?>
 <p:tagLst xmlns:p="http://schemas.openxmlformats.org/presentationml/2006/main">
-  <p:tag name="KSO_WM_BEAUTIFY_FLAG" val="#wm#"/>
-  <p:tag name="KSO_WM_TEMPLATE_CATEGORY" val="custom"/>
-  <p:tag name="KSO_WM_TEMPLATE_INDEX" val="20205176"/>
-</p:tagLst>
-</file>
-
-<file path=ppt/tags/tag68.xml><?xml version="1.0" encoding="utf-8"?>
-<p:tagLst xmlns:p="http://schemas.openxmlformats.org/presentationml/2006/main">
-  <p:tag name="KSO_WM_UNIT_TABLE_BEAUTIFY" val="smartTable{acfb907c-5dc6-416d-9f48-bcabedb4fb99}"/>
-</p:tagLst>
-</file>
-
-<file path=ppt/tags/tag69.xml><?xml version="1.0" encoding="utf-8"?>
-<p:tagLst xmlns:p="http://schemas.openxmlformats.org/presentationml/2006/main">
-  <p:tag name="KSO_WM_BEAUTIFY_FLAG" val="#wm#"/>
-  <p:tag name="KSO_WM_TEMPLATE_CATEGORY" val="custom"/>
-  <p:tag name="KSO_WM_TEMPLATE_INDEX" val="20205176"/>
+  <p:tag name="COMMONDATA" val="eyJoZGlkIjoiMmYyM2FkNjIwN2U1MjdmZWY0NjVjYTUzNDNlYzlhZmEifQ=="/>
 </p:tagLst>
 </file>
 
@@ -6033,26 +5805,6 @@
   <p:tag name="KSO_WM_UNIT_LAYERLEVEL" val="1"/>
   <p:tag name="KSO_WM_TAG_VERSION" val="1.0"/>
   <p:tag name="KSO_WM_BEAUTIFY_FLAG" val="#wm#"/>
-</p:tagLst>
-</file>
-
-<file path=ppt/tags/tag70.xml><?xml version="1.0" encoding="utf-8"?>
-<p:tagLst xmlns:p="http://schemas.openxmlformats.org/presentationml/2006/main">
-  <p:tag name="KSO_WM_UNIT_TABLE_BEAUTIFY" val="smartTable{acfb907c-5dc6-416d-9f48-bcabedb4fb99}"/>
-</p:tagLst>
-</file>
-
-<file path=ppt/tags/tag71.xml><?xml version="1.0" encoding="utf-8"?>
-<p:tagLst xmlns:p="http://schemas.openxmlformats.org/presentationml/2006/main">
-  <p:tag name="KSO_WM_BEAUTIFY_FLAG" val="#wm#"/>
-  <p:tag name="KSO_WM_TEMPLATE_CATEGORY" val="custom"/>
-  <p:tag name="KSO_WM_TEMPLATE_INDEX" val="20205176"/>
-</p:tagLst>
-</file>
-
-<file path=ppt/tags/tag72.xml><?xml version="1.0" encoding="utf-8"?>
-<p:tagLst xmlns:p="http://schemas.openxmlformats.org/presentationml/2006/main">
-  <p:tag name="COMMONDATA" val="eyJoZGlkIjoiMmYyM2FkNjIwN2U1MjdmZWY0NjVjYTUzNDNlYzlhZmEifQ=="/>
 </p:tagLst>
 </file>
 
